--- a/Crop&Fertilizer-RS/PPT/Abdul Tarique Warsi P5.pptx
+++ b/Crop&Fertilizer-RS/PPT/Abdul Tarique Warsi P5.pptx
@@ -288,7 +288,7 @@
       </p15:sldGuideLst>
     </p:ext>
     <p:ext uri="http://customooxmlschemas.google.com/">
-      <go:slidesCustomData xmlns="" xmlns:go="http://customooxmlschemas.google.com/" xmlns:p15="http://schemas.microsoft.com/office/powerpoint/2012/main" xmlns:p14="http://schemas.microsoft.com/office/powerpoint/2010/main" xmlns:com="http://schemas.openxmlformats.org/drawingml/2006/compatibility" xmlns:pvml="urn:schemas-microsoft-com:office:powerpoint" xmlns:v="urn:schemas-microsoft-com:vml" xmlns:o="urn:schemas-microsoft-com:office:office" xmlns:dgm="http://schemas.openxmlformats.org/drawingml/2006/diagram" xmlns:c="http://schemas.openxmlformats.org/drawingml/2006/chart" xmlns:mv="urn:schemas-microsoft-com:mac:vml" xmlns:mc="http://schemas.openxmlformats.org/markup-compatibility/2006" r:id="rId220" roundtripDataSignature="AMtx7miWNY2LB4ETJwrL8F0N+EK9hEhqUQ=="/>
+      <go:slidesCustomData xmlns:mc="http://schemas.openxmlformats.org/markup-compatibility/2006" xmlns:mv="urn:schemas-microsoft-com:mac:vml" xmlns:c="http://schemas.openxmlformats.org/drawingml/2006/chart" xmlns:dgm="http://schemas.openxmlformats.org/drawingml/2006/diagram" xmlns:o="urn:schemas-microsoft-com:office:office" xmlns:v="urn:schemas-microsoft-com:vml" xmlns:pvml="urn:schemas-microsoft-com:office:powerpoint" xmlns:com="http://schemas.openxmlformats.org/drawingml/2006/compatibility" xmlns:p14="http://schemas.microsoft.com/office/powerpoint/2010/main" xmlns:p15="http://schemas.microsoft.com/office/powerpoint/2012/main" xmlns:go="http://customooxmlschemas.google.com/" xmlns="" r:id="rId220" roundtripDataSignature="AMtx7miWNY2LB4ETJwrL8F0N+EK9hEhqUQ=="/>
     </p:ext>
   </p:extLst>
 </p:presentation>
@@ -2032,13 +2032,13 @@
   <p:clrMapOvr>
     <a:masterClrMapping/>
   </p:clrMapOvr>
-  <mc:AlternateContent xmlns:mc="http://schemas.openxmlformats.org/markup-compatibility/2006">
-    <mc:Choice xmlns:p14="http://schemas.microsoft.com/office/powerpoint/2010/main" Requires="p14">
+  <mc:AlternateContent xmlns:mc="http://schemas.openxmlformats.org/markup-compatibility/2006" xmlns:p14="http://schemas.microsoft.com/office/powerpoint/2010/main">
+    <mc:Choice Requires="p14">
       <p:transition spd="med" p14:dur="700">
         <p:fade/>
       </p:transition>
     </mc:Choice>
-    <mc:Fallback>
+    <mc:Fallback xmlns="">
       <p:transition spd="med">
         <p:fade/>
       </p:transition>
@@ -2220,7 +2220,7 @@
               <a:buAutoNum type="arabicPeriod"/>
             </a:pPr>
             <a:r>
-              <a:rPr lang="en-IN" sz="2000" dirty="0" err="1">
+              <a:rPr lang="en-IN" sz="2000">
                 <a:solidFill>
                   <a:schemeClr val="accent5">
                     <a:lumMod val="75000"/>
@@ -2229,7 +2229,7 @@
                 <a:latin typeface="Times New Roman" panose="02020603050405020304" pitchFamily="18" charset="0"/>
                 <a:cs typeface="Times New Roman" panose="02020603050405020304" pitchFamily="18" charset="0"/>
               </a:rPr>
-              <a:t>Dicision</a:t>
+              <a:t>Decision </a:t>
             </a:r>
             <a:r>
               <a:rPr lang="en-IN" sz="2000" dirty="0">
@@ -2241,7 +2241,7 @@
                 <a:latin typeface="Times New Roman" panose="02020603050405020304" pitchFamily="18" charset="0"/>
                 <a:cs typeface="Times New Roman" panose="02020603050405020304" pitchFamily="18" charset="0"/>
               </a:rPr>
-              <a:t> Tree</a:t>
+              <a:t>Tree</a:t>
             </a:r>
           </a:p>
           <a:p>
@@ -2282,24 +2282,14 @@
           </a:p>
           <a:p>
             <a:r>
-              <a:rPr lang="en-IN" sz="2000" dirty="0" err="1">
+              <a:rPr lang="en-IN" sz="2000" dirty="0">
                 <a:solidFill>
                   <a:schemeClr val="tx1"/>
                 </a:solidFill>
                 <a:latin typeface="Times New Roman" panose="02020603050405020304" pitchFamily="18" charset="0"/>
                 <a:cs typeface="Times New Roman" panose="02020603050405020304" pitchFamily="18" charset="0"/>
               </a:rPr>
-              <a:t>Prog.Lang</a:t>
-            </a:r>
-            <a:r>
-              <a:rPr lang="en-IN" sz="2000" dirty="0">
-                <a:solidFill>
-                  <a:schemeClr val="tx1"/>
-                </a:solidFill>
-                <a:latin typeface="Times New Roman" panose="02020603050405020304" pitchFamily="18" charset="0"/>
-                <a:cs typeface="Times New Roman" panose="02020603050405020304" pitchFamily="18" charset="0"/>
-              </a:rPr>
-              <a:t>:</a:t>
+              <a:t>Programming Language:</a:t>
             </a:r>
           </a:p>
           <a:p>
@@ -3059,8 +3049,8 @@
         </p:nvSpPr>
         <p:spPr>
           <a:xfrm rot="2801540">
-            <a:off x="-804011" y="3637047"/>
-            <a:ext cx="3603242" cy="1984013"/>
+            <a:off x="-562781" y="3741168"/>
+            <a:ext cx="3525485" cy="1501151"/>
           </a:xfrm>
           <a:prstGeom prst="curvedUpArrow">
             <a:avLst>
@@ -3114,13 +3104,13 @@
   <p:clrMapOvr>
     <a:masterClrMapping/>
   </p:clrMapOvr>
-  <mc:AlternateContent xmlns:mc="http://schemas.openxmlformats.org/markup-compatibility/2006">
-    <mc:Choice xmlns:p14="http://schemas.microsoft.com/office/powerpoint/2010/main" Requires="p14">
+  <mc:AlternateContent xmlns:mc="http://schemas.openxmlformats.org/markup-compatibility/2006" xmlns:p14="http://schemas.microsoft.com/office/powerpoint/2010/main">
+    <mc:Choice Requires="p14">
       <p:transition spd="slow" p14:dur="1500">
         <p:split orient="vert"/>
       </p:transition>
     </mc:Choice>
-    <mc:Fallback>
+    <mc:Fallback xmlns="">
       <p:transition spd="slow">
         <p:split orient="vert"/>
       </p:transition>
@@ -4969,13 +4959,13 @@
   <p:clrMapOvr>
     <a:masterClrMapping/>
   </p:clrMapOvr>
-  <mc:AlternateContent xmlns:mc="http://schemas.openxmlformats.org/markup-compatibility/2006">
-    <mc:Choice xmlns:p14="http://schemas.microsoft.com/office/powerpoint/2010/main" Requires="p14">
+  <mc:AlternateContent xmlns:mc="http://schemas.openxmlformats.org/markup-compatibility/2006" xmlns:p14="http://schemas.microsoft.com/office/powerpoint/2010/main">
+    <mc:Choice Requires="p14">
       <p:transition spd="slow" p14:dur="3400">
         <p14:reveal/>
       </p:transition>
     </mc:Choice>
-    <mc:Fallback>
+    <mc:Fallback xmlns="">
       <p:transition spd="slow">
         <p:fade/>
       </p:transition>
@@ -5291,13 +5281,13 @@
   <p:clrMapOvr>
     <a:masterClrMapping/>
   </p:clrMapOvr>
-  <mc:AlternateContent xmlns:mc="http://schemas.openxmlformats.org/markup-compatibility/2006">
-    <mc:Choice xmlns:p14="http://schemas.microsoft.com/office/powerpoint/2010/main" Requires="p14">
+  <mc:AlternateContent xmlns:mc="http://schemas.openxmlformats.org/markup-compatibility/2006" xmlns:p14="http://schemas.microsoft.com/office/powerpoint/2010/main">
+    <mc:Choice Requires="p14">
       <p:transition spd="slow" p14:dur="800">
         <p:circle/>
       </p:transition>
     </mc:Choice>
-    <mc:Fallback>
+    <mc:Fallback xmlns="">
       <p:transition spd="slow">
         <p:circle/>
       </p:transition>
@@ -7442,13 +7432,13 @@
   <p:clrMapOvr>
     <a:masterClrMapping/>
   </p:clrMapOvr>
-  <mc:AlternateContent xmlns:mc="http://schemas.openxmlformats.org/markup-compatibility/2006">
-    <mc:Choice xmlns:p15="http://schemas.microsoft.com/office/powerpoint/2012/main" Requires="p15">
+  <mc:AlternateContent xmlns:mc="http://schemas.openxmlformats.org/markup-compatibility/2006" xmlns:p15="http://schemas.microsoft.com/office/powerpoint/2012/main">
+    <mc:Choice Requires="p15">
       <p:transition xmlns:p14="http://schemas.microsoft.com/office/powerpoint/2010/main" spd="slow" p14:dur="2000">
         <p15:prstTrans prst="wind"/>
       </p:transition>
     </mc:Choice>
-    <mc:Fallback>
+    <mc:Fallback xmlns="">
       <p:transition spd="slow">
         <p:fade/>
       </p:transition>
